--- a/Nightmare기획발표-[2010181042 하승표] [2013182003 곽범식][2014182025 여도현].pptx
+++ b/Nightmare기획발표-[2010181042 하승표] [2013182003 곽범식][2014182025 여도현].pptx
@@ -6105,7 +6105,7 @@
           <a:p>
             <a:fld id="{A98899E2-7AE6-49A4-842C-84E4EEB9EB84}" type="datetimeFigureOut">
               <a:rPr lang="ko-KR" altLang="en-US" smtClean="0"/>
-              <a:t>2017-12-04</a:t>
+              <a:t>2017-12-12</a:t>
             </a:fld>
             <a:endParaRPr lang="ko-KR" altLang="en-US"/>
           </a:p>
@@ -6635,7 +6635,7 @@
           <a:p>
             <a:fld id="{14E869F0-698D-4260-B13F-6755FC79E005}" type="datetimeFigureOut">
               <a:rPr lang="ko-KR" altLang="en-US" smtClean="0"/>
-              <a:t>2017-12-04</a:t>
+              <a:t>2017-12-12</a:t>
             </a:fld>
             <a:endParaRPr lang="ko-KR" altLang="en-US"/>
           </a:p>
@@ -6803,7 +6803,7 @@
           <a:p>
             <a:fld id="{14E869F0-698D-4260-B13F-6755FC79E005}" type="datetimeFigureOut">
               <a:rPr lang="ko-KR" altLang="en-US" smtClean="0"/>
-              <a:t>2017-12-04</a:t>
+              <a:t>2017-12-12</a:t>
             </a:fld>
             <a:endParaRPr lang="ko-KR" altLang="en-US"/>
           </a:p>
@@ -6981,7 +6981,7 @@
           <a:p>
             <a:fld id="{14E869F0-698D-4260-B13F-6755FC79E005}" type="datetimeFigureOut">
               <a:rPr lang="ko-KR" altLang="en-US" smtClean="0"/>
-              <a:t>2017-12-04</a:t>
+              <a:t>2017-12-12</a:t>
             </a:fld>
             <a:endParaRPr lang="ko-KR" altLang="en-US"/>
           </a:p>
@@ -7149,7 +7149,7 @@
           <a:p>
             <a:fld id="{14E869F0-698D-4260-B13F-6755FC79E005}" type="datetimeFigureOut">
               <a:rPr lang="ko-KR" altLang="en-US" smtClean="0"/>
-              <a:t>2017-12-04</a:t>
+              <a:t>2017-12-12</a:t>
             </a:fld>
             <a:endParaRPr lang="ko-KR" altLang="en-US"/>
           </a:p>
@@ -7394,7 +7394,7 @@
           <a:p>
             <a:fld id="{14E869F0-698D-4260-B13F-6755FC79E005}" type="datetimeFigureOut">
               <a:rPr lang="ko-KR" altLang="en-US" smtClean="0"/>
-              <a:t>2017-12-04</a:t>
+              <a:t>2017-12-12</a:t>
             </a:fld>
             <a:endParaRPr lang="ko-KR" altLang="en-US"/>
           </a:p>
@@ -7679,7 +7679,7 @@
           <a:p>
             <a:fld id="{14E869F0-698D-4260-B13F-6755FC79E005}" type="datetimeFigureOut">
               <a:rPr lang="ko-KR" altLang="en-US" smtClean="0"/>
-              <a:t>2017-12-04</a:t>
+              <a:t>2017-12-12</a:t>
             </a:fld>
             <a:endParaRPr lang="ko-KR" altLang="en-US"/>
           </a:p>
@@ -8098,7 +8098,7 @@
           <a:p>
             <a:fld id="{14E869F0-698D-4260-B13F-6755FC79E005}" type="datetimeFigureOut">
               <a:rPr lang="ko-KR" altLang="en-US" smtClean="0"/>
-              <a:t>2017-12-04</a:t>
+              <a:t>2017-12-12</a:t>
             </a:fld>
             <a:endParaRPr lang="ko-KR" altLang="en-US"/>
           </a:p>
@@ -8215,7 +8215,7 @@
           <a:p>
             <a:fld id="{14E869F0-698D-4260-B13F-6755FC79E005}" type="datetimeFigureOut">
               <a:rPr lang="ko-KR" altLang="en-US" smtClean="0"/>
-              <a:t>2017-12-04</a:t>
+              <a:t>2017-12-12</a:t>
             </a:fld>
             <a:endParaRPr lang="ko-KR" altLang="en-US"/>
           </a:p>
@@ -8310,7 +8310,7 @@
           <a:p>
             <a:fld id="{14E869F0-698D-4260-B13F-6755FC79E005}" type="datetimeFigureOut">
               <a:rPr lang="ko-KR" altLang="en-US" smtClean="0"/>
-              <a:t>2017-12-04</a:t>
+              <a:t>2017-12-12</a:t>
             </a:fld>
             <a:endParaRPr lang="ko-KR" altLang="en-US"/>
           </a:p>
@@ -8585,7 +8585,7 @@
           <a:p>
             <a:fld id="{14E869F0-698D-4260-B13F-6755FC79E005}" type="datetimeFigureOut">
               <a:rPr lang="ko-KR" altLang="en-US" smtClean="0"/>
-              <a:t>2017-12-04</a:t>
+              <a:t>2017-12-12</a:t>
             </a:fld>
             <a:endParaRPr lang="ko-KR" altLang="en-US"/>
           </a:p>
@@ -8837,7 +8837,7 @@
           <a:p>
             <a:fld id="{14E869F0-698D-4260-B13F-6755FC79E005}" type="datetimeFigureOut">
               <a:rPr lang="ko-KR" altLang="en-US" smtClean="0"/>
-              <a:t>2017-12-04</a:t>
+              <a:t>2017-12-12</a:t>
             </a:fld>
             <a:endParaRPr lang="ko-KR" altLang="en-US"/>
           </a:p>
@@ -9048,7 +9048,7 @@
           <a:p>
             <a:fld id="{14E869F0-698D-4260-B13F-6755FC79E005}" type="datetimeFigureOut">
               <a:rPr lang="ko-KR" altLang="en-US" smtClean="0"/>
-              <a:t>2017-12-04</a:t>
+              <a:t>2017-12-12</a:t>
             </a:fld>
             <a:endParaRPr lang="ko-KR" altLang="en-US"/>
           </a:p>
@@ -11078,7 +11078,7 @@
           <p:nvPr>
             <p:extLst>
               <p:ext uri="{D42A27DB-BD31-4B8C-83A1-F6EECF244321}">
-                <p14:modId xmlns:p14="http://schemas.microsoft.com/office/powerpoint/2010/main" val="4207182473"/>
+                <p14:modId xmlns:p14="http://schemas.microsoft.com/office/powerpoint/2010/main" val="831365802"/>
               </p:ext>
             </p:extLst>
           </p:nvPr>
@@ -11171,7 +11171,11 @@
                       </a:r>
                     </a:p>
                   </a:txBody>
-                  <a:tcPr/>
+                  <a:tcPr>
+                    <a:solidFill>
+                      <a:schemeClr val="tx1"/>
+                    </a:solidFill>
+                  </a:tcPr>
                 </a:tc>
                 <a:tc>
                   <a:txBody>
@@ -11189,7 +11193,11 @@
                       </a:r>
                     </a:p>
                   </a:txBody>
-                  <a:tcPr/>
+                  <a:tcPr>
+                    <a:solidFill>
+                      <a:schemeClr val="tx1"/>
+                    </a:solidFill>
+                  </a:tcPr>
                 </a:tc>
                 <a:tc>
                   <a:txBody>
@@ -11207,7 +11215,11 @@
                       </a:r>
                     </a:p>
                   </a:txBody>
-                  <a:tcPr/>
+                  <a:tcPr>
+                    <a:solidFill>
+                      <a:schemeClr val="tx1"/>
+                    </a:solidFill>
+                  </a:tcPr>
                 </a:tc>
                 <a:tc>
                   <a:txBody>
@@ -11225,7 +11237,11 @@
                       </a:r>
                     </a:p>
                   </a:txBody>
-                  <a:tcPr/>
+                  <a:tcPr>
+                    <a:solidFill>
+                      <a:schemeClr val="tx1"/>
+                    </a:solidFill>
+                  </a:tcPr>
                 </a:tc>
                 <a:tc>
                   <a:txBody>
@@ -11243,7 +11259,11 @@
                       </a:r>
                     </a:p>
                   </a:txBody>
-                  <a:tcPr/>
+                  <a:tcPr>
+                    <a:solidFill>
+                      <a:schemeClr val="tx1"/>
+                    </a:solidFill>
+                  </a:tcPr>
                 </a:tc>
                 <a:tc>
                   <a:txBody>
@@ -11261,7 +11281,11 @@
                       </a:r>
                     </a:p>
                   </a:txBody>
-                  <a:tcPr/>
+                  <a:tcPr>
+                    <a:solidFill>
+                      <a:schemeClr val="tx1"/>
+                    </a:solidFill>
+                  </a:tcPr>
                 </a:tc>
                 <a:tc>
                   <a:txBody>
@@ -11279,7 +11303,11 @@
                       </a:r>
                     </a:p>
                   </a:txBody>
-                  <a:tcPr/>
+                  <a:tcPr>
+                    <a:solidFill>
+                      <a:schemeClr val="tx1"/>
+                    </a:solidFill>
+                  </a:tcPr>
                 </a:tc>
                 <a:tc>
                   <a:txBody>
@@ -11297,7 +11325,11 @@
                       </a:r>
                     </a:p>
                   </a:txBody>
-                  <a:tcPr/>
+                  <a:tcPr>
+                    <a:solidFill>
+                      <a:schemeClr val="tx1"/>
+                    </a:solidFill>
+                  </a:tcPr>
                 </a:tc>
                 <a:tc>
                   <a:txBody>
@@ -11315,7 +11347,11 @@
                       </a:r>
                     </a:p>
                   </a:txBody>
-                  <a:tcPr/>
+                  <a:tcPr>
+                    <a:solidFill>
+                      <a:schemeClr val="tx1"/>
+                    </a:solidFill>
+                  </a:tcPr>
                 </a:tc>
                 <a:extLst>
                   <a:ext uri="{0D108BD9-81ED-4DB2-BD59-A6C34878D82A}">
@@ -11331,12 +11367,23 @@
                     <a:p>
                       <a:pPr algn="ctr" latinLnBrk="1"/>
                       <a:r>
-                        <a:rPr lang="ko-KR" altLang="en-US" sz="1400" b="1" dirty="0"/>
+                        <a:rPr lang="ko-KR" altLang="en-US" sz="1400" b="1" dirty="0">
+                          <a:solidFill>
+                            <a:schemeClr val="bg1"/>
+                          </a:solidFill>
+                        </a:rPr>
                         <a:t>게임 프레임워크</a:t>
                       </a:r>
                     </a:p>
                   </a:txBody>
-                  <a:tcPr/>
+                  <a:tcPr>
+                    <a:solidFill>
+                      <a:schemeClr val="tx1">
+                        <a:lumMod val="50000"/>
+                        <a:lumOff val="50000"/>
+                      </a:schemeClr>
+                    </a:solidFill>
+                  </a:tcPr>
                 </a:tc>
                 <a:tc>
                   <a:txBody>
@@ -11389,10 +11436,17 @@
                     <a:lstStyle/>
                     <a:p>
                       <a:pPr latinLnBrk="1"/>
-                      <a:endParaRPr lang="ko-KR" altLang="en-US"/>
+                      <a:endParaRPr lang="ko-KR" altLang="en-US" dirty="0"/>
                     </a:p>
                   </a:txBody>
-                  <a:tcPr/>
+                  <a:tcPr>
+                    <a:solidFill>
+                      <a:schemeClr val="tx1">
+                        <a:lumMod val="50000"/>
+                        <a:lumOff val="50000"/>
+                      </a:schemeClr>
+                    </a:solidFill>
+                  </a:tcPr>
                 </a:tc>
                 <a:tc>
                   <a:txBody>
@@ -11400,10 +11454,17 @@
                     <a:lstStyle/>
                     <a:p>
                       <a:pPr latinLnBrk="1"/>
-                      <a:endParaRPr lang="ko-KR" altLang="en-US"/>
+                      <a:endParaRPr lang="ko-KR" altLang="en-US" dirty="0"/>
                     </a:p>
                   </a:txBody>
-                  <a:tcPr/>
+                  <a:tcPr>
+                    <a:solidFill>
+                      <a:schemeClr val="tx1">
+                        <a:lumMod val="50000"/>
+                        <a:lumOff val="50000"/>
+                      </a:schemeClr>
+                    </a:solidFill>
+                  </a:tcPr>
                 </a:tc>
                 <a:tc>
                   <a:txBody>
@@ -11411,10 +11472,17 @@
                     <a:lstStyle/>
                     <a:p>
                       <a:pPr latinLnBrk="1"/>
-                      <a:endParaRPr lang="ko-KR" altLang="en-US"/>
+                      <a:endParaRPr lang="ko-KR" altLang="en-US" dirty="0"/>
                     </a:p>
                   </a:txBody>
-                  <a:tcPr/>
+                  <a:tcPr>
+                    <a:solidFill>
+                      <a:schemeClr val="tx1">
+                        <a:lumMod val="50000"/>
+                        <a:lumOff val="50000"/>
+                      </a:schemeClr>
+                    </a:solidFill>
+                  </a:tcPr>
                 </a:tc>
                 <a:tc rowSpan="9" gridSpan="2">
                   <a:txBody>
@@ -11451,20 +11519,39 @@
                     <a:p>
                       <a:pPr algn="ctr" latinLnBrk="1"/>
                       <a:r>
-                        <a:rPr lang="ko-KR" altLang="en-US" sz="1600" b="1" dirty="0"/>
+                        <a:rPr lang="ko-KR" altLang="en-US" sz="1600" b="1" dirty="0">
+                          <a:solidFill>
+                            <a:schemeClr val="bg1"/>
+                          </a:solidFill>
+                        </a:rPr>
                         <a:t>테스트 및 </a:t>
                       </a:r>
-                      <a:endParaRPr lang="en-US" altLang="ko-KR" sz="1600" b="1" dirty="0"/>
+                      <a:endParaRPr lang="en-US" altLang="ko-KR" sz="1600" b="1" dirty="0">
+                        <a:solidFill>
+                          <a:schemeClr val="bg1"/>
+                        </a:solidFill>
+                      </a:endParaRPr>
                     </a:p>
                     <a:p>
                       <a:pPr algn="ctr" latinLnBrk="1"/>
                       <a:r>
-                        <a:rPr lang="ko-KR" altLang="en-US" sz="1600" b="1" dirty="0"/>
+                        <a:rPr lang="ko-KR" altLang="en-US" sz="1600" b="1" dirty="0">
+                          <a:solidFill>
+                            <a:schemeClr val="bg1"/>
+                          </a:solidFill>
+                        </a:rPr>
                         <a:t>버그 수정 </a:t>
                       </a:r>
                     </a:p>
                   </a:txBody>
-                  <a:tcPr/>
+                  <a:tcPr>
+                    <a:solidFill>
+                      <a:schemeClr val="tx1">
+                        <a:lumMod val="50000"/>
+                        <a:lumOff val="50000"/>
+                      </a:schemeClr>
+                    </a:solidFill>
+                  </a:tcPr>
                 </a:tc>
                 <a:tc rowSpan="9" hMerge="1">
                   <a:txBody>
@@ -11491,12 +11578,23 @@
                     <a:p>
                       <a:pPr algn="ctr" latinLnBrk="1"/>
                       <a:r>
-                        <a:rPr lang="ko-KR" altLang="en-US" sz="1400" b="1" dirty="0"/>
+                        <a:rPr lang="ko-KR" altLang="en-US" sz="1400" b="1" dirty="0">
+                          <a:solidFill>
+                            <a:schemeClr val="bg1"/>
+                          </a:solidFill>
+                        </a:rPr>
                         <a:t>네트워크 프레임워크</a:t>
                       </a:r>
                     </a:p>
                   </a:txBody>
-                  <a:tcPr/>
+                  <a:tcPr>
+                    <a:solidFill>
+                      <a:schemeClr val="tx1">
+                        <a:lumMod val="50000"/>
+                        <a:lumOff val="50000"/>
+                      </a:schemeClr>
+                    </a:solidFill>
+                  </a:tcPr>
                 </a:tc>
                 <a:tc>
                   <a:txBody>
@@ -11507,7 +11605,14 @@
                       <a:endParaRPr lang="ko-KR" altLang="en-US" dirty="0"/>
                     </a:p>
                   </a:txBody>
-                  <a:tcPr/>
+                  <a:tcPr>
+                    <a:solidFill>
+                      <a:schemeClr val="tx1">
+                        <a:lumMod val="50000"/>
+                        <a:lumOff val="50000"/>
+                      </a:schemeClr>
+                    </a:solidFill>
+                  </a:tcPr>
                 </a:tc>
                 <a:tc>
                   <a:txBody>
@@ -11560,10 +11665,17 @@
                     <a:lstStyle/>
                     <a:p>
                       <a:pPr latinLnBrk="1"/>
-                      <a:endParaRPr lang="ko-KR" altLang="en-US"/>
+                      <a:endParaRPr lang="ko-KR" altLang="en-US" dirty="0"/>
                     </a:p>
                   </a:txBody>
-                  <a:tcPr/>
+                  <a:tcPr>
+                    <a:solidFill>
+                      <a:schemeClr val="tx1">
+                        <a:lumMod val="50000"/>
+                        <a:lumOff val="50000"/>
+                      </a:schemeClr>
+                    </a:solidFill>
+                  </a:tcPr>
                 </a:tc>
                 <a:tc>
                   <a:txBody>
@@ -11571,10 +11683,17 @@
                     <a:lstStyle/>
                     <a:p>
                       <a:pPr latinLnBrk="1"/>
-                      <a:endParaRPr lang="ko-KR" altLang="en-US"/>
+                      <a:endParaRPr lang="ko-KR" altLang="en-US" dirty="0"/>
                     </a:p>
                   </a:txBody>
-                  <a:tcPr/>
+                  <a:tcPr>
+                    <a:solidFill>
+                      <a:schemeClr val="tx1">
+                        <a:lumMod val="50000"/>
+                        <a:lumOff val="50000"/>
+                      </a:schemeClr>
+                    </a:solidFill>
+                  </a:tcPr>
                 </a:tc>
                 <a:tc gridSpan="2" vMerge="1">
                   <a:txBody>
@@ -11612,16 +11731,31 @@
                     <a:p>
                       <a:pPr algn="ctr" latinLnBrk="1"/>
                       <a:r>
-                        <a:rPr lang="en-US" altLang="ko-KR" sz="1400" b="1" dirty="0"/>
+                        <a:rPr lang="en-US" altLang="ko-KR" sz="1400" b="1" dirty="0">
+                          <a:solidFill>
+                            <a:schemeClr val="bg1"/>
+                          </a:solidFill>
+                        </a:rPr>
                         <a:t>A.I </a:t>
                       </a:r>
                       <a:r>
-                        <a:rPr lang="ko-KR" altLang="en-US" sz="1400" b="1" dirty="0"/>
+                        <a:rPr lang="ko-KR" altLang="en-US" sz="1400" b="1" dirty="0">
+                          <a:solidFill>
+                            <a:schemeClr val="bg1"/>
+                          </a:solidFill>
+                        </a:rPr>
                         <a:t>및 캐릭터 조작</a:t>
                       </a:r>
                     </a:p>
                   </a:txBody>
-                  <a:tcPr/>
+                  <a:tcPr>
+                    <a:solidFill>
+                      <a:schemeClr val="tx1">
+                        <a:lumMod val="50000"/>
+                        <a:lumOff val="50000"/>
+                      </a:schemeClr>
+                    </a:solidFill>
+                  </a:tcPr>
                 </a:tc>
                 <a:tc>
                   <a:txBody>
@@ -11629,10 +11763,17 @@
                     <a:lstStyle/>
                     <a:p>
                       <a:pPr latinLnBrk="1"/>
-                      <a:endParaRPr lang="ko-KR" altLang="en-US"/>
+                      <a:endParaRPr lang="ko-KR" altLang="en-US" dirty="0"/>
                     </a:p>
                   </a:txBody>
-                  <a:tcPr/>
+                  <a:tcPr>
+                    <a:solidFill>
+                      <a:schemeClr val="tx1">
+                        <a:lumMod val="50000"/>
+                        <a:lumOff val="50000"/>
+                      </a:schemeClr>
+                    </a:solidFill>
+                  </a:tcPr>
                 </a:tc>
                 <a:tc>
                   <a:txBody>
@@ -11700,10 +11841,17 @@
                     <a:lstStyle/>
                     <a:p>
                       <a:pPr latinLnBrk="1"/>
-                      <a:endParaRPr lang="ko-KR" altLang="en-US"/>
+                      <a:endParaRPr lang="ko-KR" altLang="en-US" dirty="0"/>
                     </a:p>
                   </a:txBody>
-                  <a:tcPr/>
+                  <a:tcPr>
+                    <a:solidFill>
+                      <a:schemeClr val="tx1">
+                        <a:lumMod val="50000"/>
+                        <a:lumOff val="50000"/>
+                      </a:schemeClr>
+                    </a:solidFill>
+                  </a:tcPr>
                 </a:tc>
                 <a:tc gridSpan="2" vMerge="1">
                   <a:txBody>
@@ -11741,12 +11889,23 @@
                     <a:p>
                       <a:pPr algn="ctr" latinLnBrk="1"/>
                       <a:r>
-                        <a:rPr lang="ko-KR" altLang="en-US" sz="1400" b="1" dirty="0"/>
+                        <a:rPr lang="ko-KR" altLang="en-US" sz="1400" b="1" dirty="0">
+                          <a:solidFill>
+                            <a:schemeClr val="bg1"/>
+                          </a:solidFill>
+                        </a:rPr>
                         <a:t>캐릭터 아이템 모델링</a:t>
                       </a:r>
                     </a:p>
                   </a:txBody>
-                  <a:tcPr/>
+                  <a:tcPr>
+                    <a:solidFill>
+                      <a:schemeClr val="tx1">
+                        <a:lumMod val="50000"/>
+                        <a:lumOff val="50000"/>
+                      </a:schemeClr>
+                    </a:solidFill>
+                  </a:tcPr>
                 </a:tc>
                 <a:tc>
                   <a:txBody>
@@ -11787,7 +11946,14 @@
                       <a:endParaRPr lang="ko-KR" altLang="en-US" dirty="0"/>
                     </a:p>
                   </a:txBody>
-                  <a:tcPr/>
+                  <a:tcPr>
+                    <a:solidFill>
+                      <a:schemeClr val="tx1">
+                        <a:lumMod val="50000"/>
+                        <a:lumOff val="50000"/>
+                      </a:schemeClr>
+                    </a:solidFill>
+                  </a:tcPr>
                 </a:tc>
                 <a:tc>
                   <a:txBody>
@@ -11798,18 +11964,14 @@
                       <a:endParaRPr lang="ko-KR" altLang="en-US" dirty="0"/>
                     </a:p>
                   </a:txBody>
-                  <a:tcPr/>
-                </a:tc>
-                <a:tc>
-                  <a:txBody>
-                    <a:bodyPr/>
-                    <a:lstStyle/>
-                    <a:p>
-                      <a:pPr latinLnBrk="1"/>
-                      <a:endParaRPr lang="ko-KR" altLang="en-US"/>
-                    </a:p>
-                  </a:txBody>
-                  <a:tcPr/>
+                  <a:tcPr>
+                    <a:solidFill>
+                      <a:schemeClr val="tx1">
+                        <a:lumMod val="50000"/>
+                        <a:lumOff val="50000"/>
+                      </a:schemeClr>
+                    </a:solidFill>
+                  </a:tcPr>
                 </a:tc>
                 <a:tc>
                   <a:txBody>
@@ -11820,7 +11982,32 @@
                       <a:endParaRPr lang="ko-KR" altLang="en-US" dirty="0"/>
                     </a:p>
                   </a:txBody>
-                  <a:tcPr/>
+                  <a:tcPr>
+                    <a:solidFill>
+                      <a:schemeClr val="tx1">
+                        <a:lumMod val="50000"/>
+                        <a:lumOff val="50000"/>
+                      </a:schemeClr>
+                    </a:solidFill>
+                  </a:tcPr>
+                </a:tc>
+                <a:tc>
+                  <a:txBody>
+                    <a:bodyPr/>
+                    <a:lstStyle/>
+                    <a:p>
+                      <a:pPr latinLnBrk="1"/>
+                      <a:endParaRPr lang="ko-KR" altLang="en-US" dirty="0"/>
+                    </a:p>
+                  </a:txBody>
+                  <a:tcPr>
+                    <a:solidFill>
+                      <a:schemeClr val="tx1">
+                        <a:lumMod val="50000"/>
+                        <a:lumOff val="50000"/>
+                      </a:schemeClr>
+                    </a:solidFill>
+                  </a:tcPr>
                 </a:tc>
                 <a:tc gridSpan="2" vMerge="1">
                   <a:txBody>
@@ -11858,12 +12045,23 @@
                     <a:p>
                       <a:pPr algn="ctr" latinLnBrk="1"/>
                       <a:r>
-                        <a:rPr lang="ko-KR" altLang="en-US" sz="1400" b="1" dirty="0"/>
+                        <a:rPr lang="ko-KR" altLang="en-US" sz="1400" b="1" dirty="0">
+                          <a:solidFill>
+                            <a:schemeClr val="bg1"/>
+                          </a:solidFill>
+                        </a:rPr>
                         <a:t>맵 모델링</a:t>
                       </a:r>
                     </a:p>
                   </a:txBody>
-                  <a:tcPr/>
+                  <a:tcPr>
+                    <a:solidFill>
+                      <a:schemeClr val="tx1">
+                        <a:lumMod val="50000"/>
+                        <a:lumOff val="50000"/>
+                      </a:schemeClr>
+                    </a:solidFill>
+                  </a:tcPr>
                 </a:tc>
                 <a:tc>
                   <a:txBody>
@@ -11919,7 +12117,14 @@
                       <a:endParaRPr lang="ko-KR" altLang="en-US" dirty="0"/>
                     </a:p>
                   </a:txBody>
-                  <a:tcPr/>
+                  <a:tcPr>
+                    <a:solidFill>
+                      <a:schemeClr val="tx1">
+                        <a:lumMod val="50000"/>
+                        <a:lumOff val="50000"/>
+                      </a:schemeClr>
+                    </a:solidFill>
+                  </a:tcPr>
                 </a:tc>
                 <a:tc>
                   <a:txBody>
@@ -11930,7 +12135,14 @@
                       <a:endParaRPr lang="ko-KR" altLang="en-US" dirty="0"/>
                     </a:p>
                   </a:txBody>
-                  <a:tcPr/>
+                  <a:tcPr>
+                    <a:solidFill>
+                      <a:schemeClr val="tx1">
+                        <a:lumMod val="50000"/>
+                        <a:lumOff val="50000"/>
+                      </a:schemeClr>
+                    </a:solidFill>
+                  </a:tcPr>
                 </a:tc>
                 <a:tc>
                   <a:txBody>
@@ -11938,10 +12150,17 @@
                     <a:lstStyle/>
                     <a:p>
                       <a:pPr latinLnBrk="1"/>
-                      <a:endParaRPr lang="ko-KR" altLang="en-US"/>
+                      <a:endParaRPr lang="ko-KR" altLang="en-US" dirty="0"/>
                     </a:p>
                   </a:txBody>
-                  <a:tcPr/>
+                  <a:tcPr>
+                    <a:solidFill>
+                      <a:schemeClr val="tx1">
+                        <a:lumMod val="50000"/>
+                        <a:lumOff val="50000"/>
+                      </a:schemeClr>
+                    </a:solidFill>
+                  </a:tcPr>
                 </a:tc>
                 <a:tc gridSpan="2" vMerge="1">
                   <a:txBody>
@@ -11979,12 +12198,23 @@
                     <a:p>
                       <a:pPr algn="ctr" latinLnBrk="1"/>
                       <a:r>
-                        <a:rPr lang="ko-KR" altLang="en-US" sz="1400" b="1" dirty="0"/>
+                        <a:rPr lang="ko-KR" altLang="en-US" sz="1400" b="1" dirty="0">
+                          <a:solidFill>
+                            <a:schemeClr val="bg1"/>
+                          </a:solidFill>
+                        </a:rPr>
                         <a:t>충돌처리</a:t>
                       </a:r>
                     </a:p>
                   </a:txBody>
-                  <a:tcPr/>
+                  <a:tcPr>
+                    <a:solidFill>
+                      <a:schemeClr val="tx1">
+                        <a:lumMod val="50000"/>
+                        <a:lumOff val="50000"/>
+                      </a:schemeClr>
+                    </a:solidFill>
+                  </a:tcPr>
                 </a:tc>
                 <a:tc>
                   <a:txBody>
@@ -11995,7 +12225,14 @@
                       <a:endParaRPr lang="ko-KR" altLang="en-US" dirty="0"/>
                     </a:p>
                   </a:txBody>
-                  <a:tcPr/>
+                  <a:tcPr>
+                    <a:solidFill>
+                      <a:schemeClr val="tx1">
+                        <a:lumMod val="50000"/>
+                        <a:lumOff val="50000"/>
+                      </a:schemeClr>
+                    </a:solidFill>
+                  </a:tcPr>
                 </a:tc>
                 <a:tc>
                   <a:txBody>
@@ -12006,7 +12243,14 @@
                       <a:endParaRPr lang="ko-KR" altLang="en-US" dirty="0"/>
                     </a:p>
                   </a:txBody>
-                  <a:tcPr/>
+                  <a:tcPr>
+                    <a:solidFill>
+                      <a:schemeClr val="tx1">
+                        <a:lumMod val="50000"/>
+                        <a:lumOff val="50000"/>
+                      </a:schemeClr>
+                    </a:solidFill>
+                  </a:tcPr>
                 </a:tc>
                 <a:tc>
                   <a:txBody>
@@ -12059,10 +12303,17 @@
                     <a:lstStyle/>
                     <a:p>
                       <a:pPr latinLnBrk="1"/>
-                      <a:endParaRPr lang="ko-KR" altLang="en-US"/>
+                      <a:endParaRPr lang="ko-KR" altLang="en-US" dirty="0"/>
                     </a:p>
                   </a:txBody>
-                  <a:tcPr/>
+                  <a:tcPr>
+                    <a:solidFill>
+                      <a:schemeClr val="tx1">
+                        <a:lumMod val="50000"/>
+                        <a:lumOff val="50000"/>
+                      </a:schemeClr>
+                    </a:solidFill>
+                  </a:tcPr>
                 </a:tc>
                 <a:tc gridSpan="2" vMerge="1">
                   <a:txBody>
@@ -12100,12 +12351,23 @@
                     <a:p>
                       <a:pPr algn="ctr" latinLnBrk="1"/>
                       <a:r>
-                        <a:rPr lang="ko-KR" altLang="en-US" sz="1400" b="1" dirty="0"/>
+                        <a:rPr lang="ko-KR" altLang="en-US" sz="1400" b="1" dirty="0">
+                          <a:solidFill>
+                            <a:schemeClr val="bg1"/>
+                          </a:solidFill>
+                        </a:rPr>
                         <a:t>애니메이션 구현</a:t>
                       </a:r>
                     </a:p>
                   </a:txBody>
-                  <a:tcPr/>
+                  <a:tcPr>
+                    <a:solidFill>
+                      <a:schemeClr val="tx1">
+                        <a:lumMod val="50000"/>
+                        <a:lumOff val="50000"/>
+                      </a:schemeClr>
+                    </a:solidFill>
+                  </a:tcPr>
                 </a:tc>
                 <a:tc>
                   <a:txBody>
@@ -12113,10 +12375,17 @@
                     <a:lstStyle/>
                     <a:p>
                       <a:pPr latinLnBrk="1"/>
-                      <a:endParaRPr lang="ko-KR" altLang="en-US"/>
+                      <a:endParaRPr lang="ko-KR" altLang="en-US" dirty="0"/>
                     </a:p>
                   </a:txBody>
-                  <a:tcPr/>
+                  <a:tcPr>
+                    <a:solidFill>
+                      <a:schemeClr val="tx1">
+                        <a:lumMod val="50000"/>
+                        <a:lumOff val="50000"/>
+                      </a:schemeClr>
+                    </a:solidFill>
+                  </a:tcPr>
                 </a:tc>
                 <a:tc>
                   <a:txBody>
@@ -12187,7 +12456,14 @@
                       <a:endParaRPr lang="ko-KR" altLang="en-US" dirty="0"/>
                     </a:p>
                   </a:txBody>
-                  <a:tcPr/>
+                  <a:tcPr>
+                    <a:solidFill>
+                      <a:schemeClr val="tx1">
+                        <a:lumMod val="50000"/>
+                        <a:lumOff val="50000"/>
+                      </a:schemeClr>
+                    </a:solidFill>
+                  </a:tcPr>
                 </a:tc>
                 <a:tc gridSpan="2" vMerge="1">
                   <a:txBody>
@@ -12225,45 +12501,23 @@
                     <a:p>
                       <a:pPr algn="ctr" latinLnBrk="1"/>
                       <a:r>
-                        <a:rPr lang="ko-KR" altLang="en-US" sz="1400" b="1" dirty="0"/>
+                        <a:rPr lang="ko-KR" altLang="en-US" sz="1400" b="1" dirty="0">
+                          <a:solidFill>
+                            <a:schemeClr val="bg1"/>
+                          </a:solidFill>
+                        </a:rPr>
                         <a:t>서버 동기화</a:t>
                       </a:r>
                     </a:p>
                   </a:txBody>
-                  <a:tcPr/>
-                </a:tc>
-                <a:tc>
-                  <a:txBody>
-                    <a:bodyPr/>
-                    <a:lstStyle/>
-                    <a:p>
-                      <a:pPr latinLnBrk="1"/>
-                      <a:endParaRPr lang="ko-KR" altLang="en-US"/>
-                    </a:p>
-                  </a:txBody>
-                  <a:tcPr/>
-                </a:tc>
-                <a:tc>
-                  <a:txBody>
-                    <a:bodyPr/>
-                    <a:lstStyle/>
-                    <a:p>
-                      <a:pPr latinLnBrk="1"/>
-                      <a:endParaRPr lang="ko-KR" altLang="en-US" dirty="0"/>
-                    </a:p>
-                  </a:txBody>
-                  <a:tcPr/>
-                </a:tc>
-                <a:tc>
-                  <a:txBody>
-                    <a:bodyPr/>
-                    <a:lstStyle/>
-                    <a:p>
-                      <a:pPr latinLnBrk="1"/>
-                      <a:endParaRPr lang="ko-KR" altLang="en-US"/>
-                    </a:p>
-                  </a:txBody>
-                  <a:tcPr/>
+                  <a:tcPr>
+                    <a:solidFill>
+                      <a:schemeClr val="tx1">
+                        <a:lumMod val="50000"/>
+                        <a:lumOff val="50000"/>
+                      </a:schemeClr>
+                    </a:solidFill>
+                  </a:tcPr>
                 </a:tc>
                 <a:tc>
                   <a:txBody>
@@ -12276,9 +12530,63 @@
                   </a:txBody>
                   <a:tcPr>
                     <a:solidFill>
-                      <a:schemeClr val="accent1">
-                        <a:lumMod val="20000"/>
-                        <a:lumOff val="80000"/>
+                      <a:schemeClr val="tx1">
+                        <a:lumMod val="50000"/>
+                        <a:lumOff val="50000"/>
+                      </a:schemeClr>
+                    </a:solidFill>
+                  </a:tcPr>
+                </a:tc>
+                <a:tc>
+                  <a:txBody>
+                    <a:bodyPr/>
+                    <a:lstStyle/>
+                    <a:p>
+                      <a:pPr latinLnBrk="1"/>
+                      <a:endParaRPr lang="ko-KR" altLang="en-US" dirty="0"/>
+                    </a:p>
+                  </a:txBody>
+                  <a:tcPr>
+                    <a:solidFill>
+                      <a:schemeClr val="tx1">
+                        <a:lumMod val="50000"/>
+                        <a:lumOff val="50000"/>
+                      </a:schemeClr>
+                    </a:solidFill>
+                  </a:tcPr>
+                </a:tc>
+                <a:tc>
+                  <a:txBody>
+                    <a:bodyPr/>
+                    <a:lstStyle/>
+                    <a:p>
+                      <a:pPr latinLnBrk="1"/>
+                      <a:endParaRPr lang="ko-KR" altLang="en-US" dirty="0"/>
+                    </a:p>
+                  </a:txBody>
+                  <a:tcPr>
+                    <a:solidFill>
+                      <a:schemeClr val="tx1">
+                        <a:lumMod val="50000"/>
+                        <a:lumOff val="50000"/>
+                      </a:schemeClr>
+                    </a:solidFill>
+                  </a:tcPr>
+                </a:tc>
+                <a:tc>
+                  <a:txBody>
+                    <a:bodyPr/>
+                    <a:lstStyle/>
+                    <a:p>
+                      <a:pPr latinLnBrk="1"/>
+                      <a:endParaRPr lang="ko-KR" altLang="en-US" dirty="0"/>
+                    </a:p>
+                  </a:txBody>
+                  <a:tcPr>
+                    <a:solidFill>
+                      <a:schemeClr val="tx1">
+                        <a:lumMod val="50000"/>
+                        <a:lumOff val="50000"/>
                       </a:schemeClr>
                     </a:solidFill>
                   </a:tcPr>
@@ -12349,13 +12657,28 @@
                     <a:p>
                       <a:pPr algn="ctr" latinLnBrk="1"/>
                       <a:r>
-                        <a:rPr lang="en-US" altLang="ko-KR" sz="1400" b="1" dirty="0"/>
+                        <a:rPr lang="en-US" altLang="ko-KR" sz="1400" b="1" dirty="0">
+                          <a:solidFill>
+                            <a:schemeClr val="bg1"/>
+                          </a:solidFill>
+                        </a:rPr>
                         <a:t>UI</a:t>
                       </a:r>
-                      <a:endParaRPr lang="ko-KR" altLang="en-US" sz="1400" b="1" dirty="0"/>
+                      <a:endParaRPr lang="ko-KR" altLang="en-US" sz="1400" b="1" dirty="0">
+                        <a:solidFill>
+                          <a:schemeClr val="bg1"/>
+                        </a:solidFill>
+                      </a:endParaRPr>
                     </a:p>
                   </a:txBody>
-                  <a:tcPr/>
+                  <a:tcPr>
+                    <a:solidFill>
+                      <a:schemeClr val="tx1">
+                        <a:lumMod val="50000"/>
+                        <a:lumOff val="50000"/>
+                      </a:schemeClr>
+                    </a:solidFill>
+                  </a:tcPr>
                 </a:tc>
                 <a:tc>
                   <a:txBody>
@@ -12396,7 +12719,14 @@
                       <a:endParaRPr lang="ko-KR" altLang="en-US" dirty="0"/>
                     </a:p>
                   </a:txBody>
-                  <a:tcPr/>
+                  <a:tcPr>
+                    <a:solidFill>
+                      <a:schemeClr val="tx1">
+                        <a:lumMod val="50000"/>
+                        <a:lumOff val="50000"/>
+                      </a:schemeClr>
+                    </a:solidFill>
+                  </a:tcPr>
                 </a:tc>
                 <a:tc>
                   <a:txBody>
@@ -12407,7 +12737,14 @@
                       <a:endParaRPr lang="ko-KR" altLang="en-US" dirty="0"/>
                     </a:p>
                   </a:txBody>
-                  <a:tcPr/>
+                  <a:tcPr>
+                    <a:solidFill>
+                      <a:schemeClr val="tx1">
+                        <a:lumMod val="50000"/>
+                        <a:lumOff val="50000"/>
+                      </a:schemeClr>
+                    </a:solidFill>
+                  </a:tcPr>
                 </a:tc>
                 <a:tc>
                   <a:txBody>
@@ -15210,42 +15547,6 @@
           </a:p>
         </p:txBody>
       </p:sp>
-      <p:pic>
-        <p:nvPicPr>
-          <p:cNvPr id="10" name="내용 개체 틀 4">
-            <a:extLst>
-              <a:ext uri="{FF2B5EF4-FFF2-40B4-BE49-F238E27FC236}">
-                <a16:creationId xmlns:a16="http://schemas.microsoft.com/office/drawing/2014/main" id="{3B718F00-D344-4FE1-B58C-C3BF75E9C6B2}"/>
-              </a:ext>
-            </a:extLst>
-          </p:cNvPr>
-          <p:cNvPicPr>
-            <a:picLocks noChangeAspect="1"/>
-          </p:cNvPicPr>
-          <p:nvPr/>
-        </p:nvPicPr>
-        <p:blipFill>
-          <a:blip r:embed="rId2">
-            <a:extLst>
-              <a:ext uri="{28A0092B-C50C-407E-A947-70E740481C1C}">
-                <a14:useLocalDpi xmlns:a14="http://schemas.microsoft.com/office/drawing/2010/main" val="0"/>
-              </a:ext>
-            </a:extLst>
-          </a:blip>
-          <a:stretch>
-            <a:fillRect/>
-          </a:stretch>
-        </p:blipFill>
-        <p:spPr>
-          <a:xfrm>
-            <a:off x="628650" y="2210960"/>
-            <a:ext cx="4124243" cy="3089082"/>
-          </a:xfrm>
-          <a:prstGeom prst="rect">
-            <a:avLst/>
-          </a:prstGeom>
-        </p:spPr>
-      </p:pic>
       <p:sp>
         <p:nvSpPr>
           <p:cNvPr id="11" name="내용 개체 틀 10">
@@ -15531,220 +15832,6 @@
                 <a:schemeClr val="bg1"/>
               </a:solidFill>
               <a:ea typeface="-윤고딕340"/>
-            </a:endParaRPr>
-          </a:p>
-          <a:p>
-            <a:pPr marL="0" indent="0">
-              <a:buFont typeface="Arial" pitchFamily="34" charset="0"/>
-              <a:buNone/>
-            </a:pPr>
-            <a:r>
-              <a:rPr lang="ko-KR" altLang="en-US" sz="1200" dirty="0">
-                <a:solidFill>
-                  <a:schemeClr val="bg1"/>
-                </a:solidFill>
-                <a:ea typeface="-윤고딕340"/>
-              </a:rPr>
-              <a:t>사진 출처</a:t>
-            </a:r>
-            <a:r>
-              <a:rPr lang="en-US" altLang="ko-KR" sz="1200" dirty="0">
-                <a:solidFill>
-                  <a:schemeClr val="bg1"/>
-                </a:solidFill>
-                <a:ea typeface="-윤고딕340"/>
-              </a:rPr>
-              <a:t>: </a:t>
-            </a:r>
-            <a:r>
-              <a:rPr lang="ko-KR" altLang="en-US" sz="1200" dirty="0">
-                <a:solidFill>
-                  <a:schemeClr val="bg1"/>
-                </a:solidFill>
-                <a:ea typeface="-윤고딕340"/>
-              </a:rPr>
-              <a:t>네이버 이미지</a:t>
-            </a:r>
-            <a:r>
-              <a:rPr lang="en-US" altLang="ko-KR" sz="1200" dirty="0">
-                <a:solidFill>
-                  <a:schemeClr val="bg1"/>
-                </a:solidFill>
-                <a:ea typeface="-윤고딕340"/>
-              </a:rPr>
-              <a:t> – &lt;</a:t>
-            </a:r>
-            <a:r>
-              <a:rPr lang="ko-KR" altLang="en-US" sz="1200" dirty="0" err="1">
-                <a:solidFill>
-                  <a:schemeClr val="bg1"/>
-                </a:solidFill>
-                <a:ea typeface="-윤고딕340"/>
-              </a:rPr>
-              <a:t>어쌔신</a:t>
-            </a:r>
-            <a:r>
-              <a:rPr lang="ko-KR" altLang="en-US" sz="1200" dirty="0">
-                <a:solidFill>
-                  <a:schemeClr val="bg1"/>
-                </a:solidFill>
-                <a:ea typeface="-윤고딕340"/>
-              </a:rPr>
-              <a:t> </a:t>
-            </a:r>
-            <a:r>
-              <a:rPr lang="ko-KR" altLang="en-US" sz="1200" dirty="0" err="1">
-                <a:solidFill>
-                  <a:schemeClr val="bg1"/>
-                </a:solidFill>
-                <a:ea typeface="-윤고딕340"/>
-              </a:rPr>
-              <a:t>크리드</a:t>
-            </a:r>
-            <a:r>
-              <a:rPr lang="en-US" altLang="ko-KR" sz="1200" dirty="0">
-                <a:solidFill>
-                  <a:schemeClr val="bg1"/>
-                </a:solidFill>
-                <a:ea typeface="-윤고딕340"/>
-              </a:rPr>
-              <a:t>&gt;</a:t>
-            </a:r>
-          </a:p>
-        </p:txBody>
-      </p:sp>
-      <p:sp>
-        <p:nvSpPr>
-          <p:cNvPr id="12" name="순서도: 처리 11">
-            <a:extLst>
-              <a:ext uri="{FF2B5EF4-FFF2-40B4-BE49-F238E27FC236}">
-                <a16:creationId xmlns:a16="http://schemas.microsoft.com/office/drawing/2014/main" id="{AC77CC29-4F5E-4EAA-ABBD-2447E38AD041}"/>
-              </a:ext>
-            </a:extLst>
-          </p:cNvPr>
-          <p:cNvSpPr/>
-          <p:nvPr/>
-        </p:nvSpPr>
-        <p:spPr>
-          <a:xfrm>
-            <a:off x="611560" y="2348880"/>
-            <a:ext cx="1401418" cy="184868"/>
-          </a:xfrm>
-          <a:prstGeom prst="flowChartProcess">
-            <a:avLst/>
-          </a:prstGeom>
-          <a:solidFill>
-            <a:srgbClr val="FF0000"/>
-          </a:solidFill>
-          <a:ln>
-            <a:solidFill>
-              <a:srgbClr val="FF0000"/>
-            </a:solidFill>
-          </a:ln>
-        </p:spPr>
-        <p:style>
-          <a:lnRef idx="2">
-            <a:schemeClr val="accent1">
-              <a:shade val="50000"/>
-            </a:schemeClr>
-          </a:lnRef>
-          <a:fillRef idx="1">
-            <a:schemeClr val="accent1"/>
-          </a:fillRef>
-          <a:effectRef idx="0">
-            <a:schemeClr val="accent1"/>
-          </a:effectRef>
-          <a:fontRef idx="minor">
-            <a:schemeClr val="lt1"/>
-          </a:fontRef>
-        </p:style>
-        <p:txBody>
-          <a:bodyPr rtlCol="0" anchor="ctr"/>
-          <a:lstStyle/>
-          <a:p>
-            <a:pPr algn="ctr"/>
-            <a:r>
-              <a:rPr lang="en-US" altLang="ko-KR" sz="1350" dirty="0">
-                <a:solidFill>
-                  <a:schemeClr val="bg1"/>
-                </a:solidFill>
-              </a:rPr>
-              <a:t>HP</a:t>
-            </a:r>
-            <a:endParaRPr lang="ko-KR" altLang="en-US" sz="1350" dirty="0">
-              <a:solidFill>
-                <a:schemeClr val="bg1"/>
-              </a:solidFill>
-            </a:endParaRPr>
-          </a:p>
-        </p:txBody>
-      </p:sp>
-      <p:sp>
-        <p:nvSpPr>
-          <p:cNvPr id="13" name="순서도: 대체 처리 12">
-            <a:extLst>
-              <a:ext uri="{FF2B5EF4-FFF2-40B4-BE49-F238E27FC236}">
-                <a16:creationId xmlns:a16="http://schemas.microsoft.com/office/drawing/2014/main" id="{7F742CA2-A982-4739-A9C4-DF30A09B9101}"/>
-              </a:ext>
-            </a:extLst>
-          </p:cNvPr>
-          <p:cNvSpPr/>
-          <p:nvPr/>
-        </p:nvSpPr>
-        <p:spPr>
-          <a:xfrm>
-            <a:off x="2385393" y="2342157"/>
-            <a:ext cx="781216" cy="172940"/>
-          </a:xfrm>
-          <a:prstGeom prst="flowChartAlternateProcess">
-            <a:avLst/>
-          </a:prstGeom>
-          <a:solidFill>
-            <a:schemeClr val="bg2">
-              <a:lumMod val="25000"/>
-            </a:schemeClr>
-          </a:solidFill>
-          <a:ln>
-            <a:solidFill>
-              <a:schemeClr val="bg2">
-                <a:lumMod val="50000"/>
-              </a:schemeClr>
-            </a:solidFill>
-          </a:ln>
-        </p:spPr>
-        <p:style>
-          <a:lnRef idx="2">
-            <a:schemeClr val="accent1">
-              <a:shade val="50000"/>
-            </a:schemeClr>
-          </a:lnRef>
-          <a:fillRef idx="1">
-            <a:schemeClr val="accent1"/>
-          </a:fillRef>
-          <a:effectRef idx="0">
-            <a:schemeClr val="accent1"/>
-          </a:effectRef>
-          <a:fontRef idx="minor">
-            <a:schemeClr val="lt1"/>
-          </a:fontRef>
-        </p:style>
-        <p:txBody>
-          <a:bodyPr rtlCol="0" anchor="ctr"/>
-          <a:lstStyle/>
-          <a:p>
-            <a:pPr algn="ctr"/>
-            <a:r>
-              <a:rPr lang="en-US" altLang="ko-KR" sz="1350" dirty="0">
-                <a:solidFill>
-                  <a:schemeClr val="bg1"/>
-                </a:solidFill>
-              </a:rPr>
-              <a:t>TIME</a:t>
-            </a:r>
-            <a:endParaRPr lang="ko-KR" altLang="en-US" sz="1350" dirty="0">
-              <a:solidFill>
-                <a:schemeClr val="bg1"/>
-              </a:solidFill>
             </a:endParaRPr>
           </a:p>
         </p:txBody>
@@ -15846,6 +15933,172 @@
               <a:rPr lang="ko-KR" altLang="en-US" dirty="0"/>
               <a:t>yeodo95</a:t>
             </a:r>
+          </a:p>
+        </p:txBody>
+      </p:sp>
+      <p:pic>
+        <p:nvPicPr>
+          <p:cNvPr id="6" name="그림 5">
+            <a:extLst>
+              <a:ext uri="{FF2B5EF4-FFF2-40B4-BE49-F238E27FC236}">
+                <a16:creationId xmlns:a16="http://schemas.microsoft.com/office/drawing/2014/main" id="{E5361AA6-5CAE-4A83-B4AB-FBC99032C7AA}"/>
+              </a:ext>
+            </a:extLst>
+          </p:cNvPr>
+          <p:cNvPicPr>
+            <a:picLocks noChangeAspect="1"/>
+          </p:cNvPicPr>
+          <p:nvPr/>
+        </p:nvPicPr>
+        <p:blipFill>
+          <a:blip r:embed="rId2"/>
+          <a:stretch>
+            <a:fillRect/>
+          </a:stretch>
+        </p:blipFill>
+        <p:spPr>
+          <a:xfrm>
+            <a:off x="251520" y="2060849"/>
+            <a:ext cx="4680520" cy="3096344"/>
+          </a:xfrm>
+          <a:prstGeom prst="rect">
+            <a:avLst/>
+          </a:prstGeom>
+        </p:spPr>
+      </p:pic>
+      <p:sp>
+        <p:nvSpPr>
+          <p:cNvPr id="12" name="순서도: 처리 11">
+            <a:extLst>
+              <a:ext uri="{FF2B5EF4-FFF2-40B4-BE49-F238E27FC236}">
+                <a16:creationId xmlns:a16="http://schemas.microsoft.com/office/drawing/2014/main" id="{AC77CC29-4F5E-4EAA-ABBD-2447E38AD041}"/>
+              </a:ext>
+            </a:extLst>
+          </p:cNvPr>
+          <p:cNvSpPr/>
+          <p:nvPr/>
+        </p:nvSpPr>
+        <p:spPr>
+          <a:xfrm>
+            <a:off x="323528" y="2204864"/>
+            <a:ext cx="1401418" cy="184868"/>
+          </a:xfrm>
+          <a:prstGeom prst="flowChartProcess">
+            <a:avLst/>
+          </a:prstGeom>
+          <a:solidFill>
+            <a:srgbClr val="FF0000"/>
+          </a:solidFill>
+          <a:ln>
+            <a:solidFill>
+              <a:srgbClr val="FF0000"/>
+            </a:solidFill>
+          </a:ln>
+        </p:spPr>
+        <p:style>
+          <a:lnRef idx="2">
+            <a:schemeClr val="accent1">
+              <a:shade val="50000"/>
+            </a:schemeClr>
+          </a:lnRef>
+          <a:fillRef idx="1">
+            <a:schemeClr val="accent1"/>
+          </a:fillRef>
+          <a:effectRef idx="0">
+            <a:schemeClr val="accent1"/>
+          </a:effectRef>
+          <a:fontRef idx="minor">
+            <a:schemeClr val="lt1"/>
+          </a:fontRef>
+        </p:style>
+        <p:txBody>
+          <a:bodyPr rtlCol="0" anchor="ctr"/>
+          <a:lstStyle/>
+          <a:p>
+            <a:pPr algn="ctr"/>
+            <a:r>
+              <a:rPr lang="en-US" altLang="ko-KR" sz="1350" dirty="0">
+                <a:solidFill>
+                  <a:schemeClr val="bg1"/>
+                </a:solidFill>
+              </a:rPr>
+              <a:t>HP</a:t>
+            </a:r>
+            <a:endParaRPr lang="ko-KR" altLang="en-US" sz="1350" dirty="0">
+              <a:solidFill>
+                <a:schemeClr val="bg1"/>
+              </a:solidFill>
+            </a:endParaRPr>
+          </a:p>
+        </p:txBody>
+      </p:sp>
+      <p:sp>
+        <p:nvSpPr>
+          <p:cNvPr id="13" name="순서도: 대체 처리 12">
+            <a:extLst>
+              <a:ext uri="{FF2B5EF4-FFF2-40B4-BE49-F238E27FC236}">
+                <a16:creationId xmlns:a16="http://schemas.microsoft.com/office/drawing/2014/main" id="{7F742CA2-A982-4739-A9C4-DF30A09B9101}"/>
+              </a:ext>
+            </a:extLst>
+          </p:cNvPr>
+          <p:cNvSpPr/>
+          <p:nvPr/>
+        </p:nvSpPr>
+        <p:spPr>
+          <a:xfrm>
+            <a:off x="2195736" y="2204864"/>
+            <a:ext cx="781216" cy="172940"/>
+          </a:xfrm>
+          <a:prstGeom prst="flowChartAlternateProcess">
+            <a:avLst/>
+          </a:prstGeom>
+          <a:solidFill>
+            <a:schemeClr val="bg2">
+              <a:lumMod val="25000"/>
+            </a:schemeClr>
+          </a:solidFill>
+          <a:ln>
+            <a:solidFill>
+              <a:schemeClr val="bg2">
+                <a:lumMod val="50000"/>
+              </a:schemeClr>
+            </a:solidFill>
+          </a:ln>
+        </p:spPr>
+        <p:style>
+          <a:lnRef idx="2">
+            <a:schemeClr val="accent1">
+              <a:shade val="50000"/>
+            </a:schemeClr>
+          </a:lnRef>
+          <a:fillRef idx="1">
+            <a:schemeClr val="accent1"/>
+          </a:fillRef>
+          <a:effectRef idx="0">
+            <a:schemeClr val="accent1"/>
+          </a:effectRef>
+          <a:fontRef idx="minor">
+            <a:schemeClr val="lt1"/>
+          </a:fontRef>
+        </p:style>
+        <p:txBody>
+          <a:bodyPr rtlCol="0" anchor="ctr"/>
+          <a:lstStyle/>
+          <a:p>
+            <a:pPr algn="ctr"/>
+            <a:r>
+              <a:rPr lang="en-US" altLang="ko-KR" sz="1350" dirty="0">
+                <a:solidFill>
+                  <a:schemeClr val="bg1"/>
+                </a:solidFill>
+              </a:rPr>
+              <a:t>TIME</a:t>
+            </a:r>
+            <a:endParaRPr lang="ko-KR" altLang="en-US" sz="1350" dirty="0">
+              <a:solidFill>
+                <a:schemeClr val="bg1"/>
+              </a:solidFill>
+            </a:endParaRPr>
           </a:p>
         </p:txBody>
       </p:sp>

--- a/Nightmare기획발표-[2010181042 하승표] [2013182003 곽범식][2014182025 여도현].pptx
+++ b/Nightmare기획발표-[2010181042 하승표] [2013182003 곽범식][2014182025 여도현].pptx
@@ -6105,7 +6105,7 @@
           <a:p>
             <a:fld id="{A98899E2-7AE6-49A4-842C-84E4EEB9EB84}" type="datetimeFigureOut">
               <a:rPr lang="ko-KR" altLang="en-US" smtClean="0"/>
-              <a:t>2017-12-12</a:t>
+              <a:t>2017-12-17</a:t>
             </a:fld>
             <a:endParaRPr lang="ko-KR" altLang="en-US"/>
           </a:p>
@@ -6635,7 +6635,7 @@
           <a:p>
             <a:fld id="{14E869F0-698D-4260-B13F-6755FC79E005}" type="datetimeFigureOut">
               <a:rPr lang="ko-KR" altLang="en-US" smtClean="0"/>
-              <a:t>2017-12-12</a:t>
+              <a:t>2017-12-17</a:t>
             </a:fld>
             <a:endParaRPr lang="ko-KR" altLang="en-US"/>
           </a:p>
@@ -6803,7 +6803,7 @@
           <a:p>
             <a:fld id="{14E869F0-698D-4260-B13F-6755FC79E005}" type="datetimeFigureOut">
               <a:rPr lang="ko-KR" altLang="en-US" smtClean="0"/>
-              <a:t>2017-12-12</a:t>
+              <a:t>2017-12-17</a:t>
             </a:fld>
             <a:endParaRPr lang="ko-KR" altLang="en-US"/>
           </a:p>
@@ -6981,7 +6981,7 @@
           <a:p>
             <a:fld id="{14E869F0-698D-4260-B13F-6755FC79E005}" type="datetimeFigureOut">
               <a:rPr lang="ko-KR" altLang="en-US" smtClean="0"/>
-              <a:t>2017-12-12</a:t>
+              <a:t>2017-12-17</a:t>
             </a:fld>
             <a:endParaRPr lang="ko-KR" altLang="en-US"/>
           </a:p>
@@ -7149,7 +7149,7 @@
           <a:p>
             <a:fld id="{14E869F0-698D-4260-B13F-6755FC79E005}" type="datetimeFigureOut">
               <a:rPr lang="ko-KR" altLang="en-US" smtClean="0"/>
-              <a:t>2017-12-12</a:t>
+              <a:t>2017-12-17</a:t>
             </a:fld>
             <a:endParaRPr lang="ko-KR" altLang="en-US"/>
           </a:p>
@@ -7394,7 +7394,7 @@
           <a:p>
             <a:fld id="{14E869F0-698D-4260-B13F-6755FC79E005}" type="datetimeFigureOut">
               <a:rPr lang="ko-KR" altLang="en-US" smtClean="0"/>
-              <a:t>2017-12-12</a:t>
+              <a:t>2017-12-17</a:t>
             </a:fld>
             <a:endParaRPr lang="ko-KR" altLang="en-US"/>
           </a:p>
@@ -7679,7 +7679,7 @@
           <a:p>
             <a:fld id="{14E869F0-698D-4260-B13F-6755FC79E005}" type="datetimeFigureOut">
               <a:rPr lang="ko-KR" altLang="en-US" smtClean="0"/>
-              <a:t>2017-12-12</a:t>
+              <a:t>2017-12-17</a:t>
             </a:fld>
             <a:endParaRPr lang="ko-KR" altLang="en-US"/>
           </a:p>
@@ -8098,7 +8098,7 @@
           <a:p>
             <a:fld id="{14E869F0-698D-4260-B13F-6755FC79E005}" type="datetimeFigureOut">
               <a:rPr lang="ko-KR" altLang="en-US" smtClean="0"/>
-              <a:t>2017-12-12</a:t>
+              <a:t>2017-12-17</a:t>
             </a:fld>
             <a:endParaRPr lang="ko-KR" altLang="en-US"/>
           </a:p>
@@ -8215,7 +8215,7 @@
           <a:p>
             <a:fld id="{14E869F0-698D-4260-B13F-6755FC79E005}" type="datetimeFigureOut">
               <a:rPr lang="ko-KR" altLang="en-US" smtClean="0"/>
-              <a:t>2017-12-12</a:t>
+              <a:t>2017-12-17</a:t>
             </a:fld>
             <a:endParaRPr lang="ko-KR" altLang="en-US"/>
           </a:p>
@@ -8310,7 +8310,7 @@
           <a:p>
             <a:fld id="{14E869F0-698D-4260-B13F-6755FC79E005}" type="datetimeFigureOut">
               <a:rPr lang="ko-KR" altLang="en-US" smtClean="0"/>
-              <a:t>2017-12-12</a:t>
+              <a:t>2017-12-17</a:t>
             </a:fld>
             <a:endParaRPr lang="ko-KR" altLang="en-US"/>
           </a:p>
@@ -8585,7 +8585,7 @@
           <a:p>
             <a:fld id="{14E869F0-698D-4260-B13F-6755FC79E005}" type="datetimeFigureOut">
               <a:rPr lang="ko-KR" altLang="en-US" smtClean="0"/>
-              <a:t>2017-12-12</a:t>
+              <a:t>2017-12-17</a:t>
             </a:fld>
             <a:endParaRPr lang="ko-KR" altLang="en-US"/>
           </a:p>
@@ -8837,7 +8837,7 @@
           <a:p>
             <a:fld id="{14E869F0-698D-4260-B13F-6755FC79E005}" type="datetimeFigureOut">
               <a:rPr lang="ko-KR" altLang="en-US" smtClean="0"/>
-              <a:t>2017-12-12</a:t>
+              <a:t>2017-12-17</a:t>
             </a:fld>
             <a:endParaRPr lang="ko-KR" altLang="en-US"/>
           </a:p>
@@ -9048,7 +9048,7 @@
           <a:p>
             <a:fld id="{14E869F0-698D-4260-B13F-6755FC79E005}" type="datetimeFigureOut">
               <a:rPr lang="ko-KR" altLang="en-US" smtClean="0"/>
-              <a:t>2017-12-12</a:t>
+              <a:t>2017-12-17</a:t>
             </a:fld>
             <a:endParaRPr lang="ko-KR" altLang="en-US"/>
           </a:p>
@@ -9883,7 +9883,7 @@
         <p:spPr>
           <a:xfrm>
             <a:off x="395536" y="1052736"/>
-            <a:ext cx="8208912" cy="4960269"/>
+            <a:ext cx="8208912" cy="4978671"/>
           </a:xfrm>
           <a:prstGeom prst="rect">
             <a:avLst/>
@@ -10434,6 +10434,26 @@
                 <a:cs typeface="Times New Roman" panose="02020603050405020304" pitchFamily="18" charset="0"/>
               </a:rPr>
               <a:t>맵 배치</a:t>
+            </a:r>
+            <a:r>
+              <a:rPr lang="en-US" altLang="ko-KR" sz="1400" kern="100" dirty="0">
+                <a:solidFill>
+                  <a:schemeClr val="bg1"/>
+                </a:solidFill>
+                <a:latin typeface="맑은 고딕" panose="020B0503020000020004" pitchFamily="50" charset="-127"/>
+                <a:cs typeface="Times New Roman" panose="02020603050405020304" pitchFamily="18" charset="0"/>
+              </a:rPr>
+              <a:t>, </a:t>
+            </a:r>
+            <a:r>
+              <a:rPr lang="ko-KR" altLang="en-US" sz="1400" kern="100" dirty="0">
+                <a:solidFill>
+                  <a:schemeClr val="bg1"/>
+                </a:solidFill>
+                <a:latin typeface="맑은 고딕" panose="020B0503020000020004" pitchFamily="50" charset="-127"/>
+                <a:cs typeface="Times New Roman" panose="02020603050405020304" pitchFamily="18" charset="0"/>
+              </a:rPr>
+              <a:t>더미 클라이언트를 붙여서 서버 부하 테스트</a:t>
             </a:r>
             <a:r>
               <a:rPr lang="en-US" altLang="ko-KR" sz="1400" kern="100" dirty="0">
